--- a/figures/boltzmann-passive-vs-active.pptx
+++ b/figures/boltzmann-passive-vs-active.pptx
@@ -5,11 +5,12 @@
     <p:sldMasterId id="2147483696" r:id="rId1"/>
   </p:sldMasterIdLst>
   <p:notesMasterIdLst>
-    <p:notesMasterId r:id="rId4"/>
+    <p:notesMasterId r:id="rId5"/>
   </p:notesMasterIdLst>
   <p:sldIdLst>
-    <p:sldId id="256" r:id="rId2"/>
-    <p:sldId id="257" r:id="rId3"/>
+    <p:sldId id="258" r:id="rId2"/>
+    <p:sldId id="256" r:id="rId3"/>
+    <p:sldId id="257" r:id="rId4"/>
   </p:sldIdLst>
   <p:sldSz cx="8229600" cy="6400800"/>
   <p:notesSz cx="6858000" cy="9144000"/>
@@ -198,7 +199,7 @@
           <a:p>
             <a:fld id="{F675D2CB-6B2A-A948-9EB0-21A1E14BAD71}" type="datetimeFigureOut">
               <a:rPr lang="en-US" smtClean="0"/>
-              <a:t>5/16/17</a:t>
+              <a:t>5/18/17</a:t>
             </a:fld>
             <a:endParaRPr lang="en-US"/>
           </a:p>
@@ -597,7 +598,7 @@
           <a:p>
             <a:fld id="{6BEE9317-30CC-7C49-B555-F232CBED8BD6}" type="datetimeFigureOut">
               <a:rPr lang="en-US" smtClean="0"/>
-              <a:t>5/15/17</a:t>
+              <a:t>5/18/17</a:t>
             </a:fld>
             <a:endParaRPr lang="en-US"/>
           </a:p>
@@ -762,7 +763,7 @@
           <a:p>
             <a:fld id="{6BEE9317-30CC-7C49-B555-F232CBED8BD6}" type="datetimeFigureOut">
               <a:rPr lang="en-US" smtClean="0"/>
-              <a:t>5/15/17</a:t>
+              <a:t>5/18/17</a:t>
             </a:fld>
             <a:endParaRPr lang="en-US"/>
           </a:p>
@@ -937,7 +938,7 @@
           <a:p>
             <a:fld id="{6BEE9317-30CC-7C49-B555-F232CBED8BD6}" type="datetimeFigureOut">
               <a:rPr lang="en-US" smtClean="0"/>
-              <a:t>5/15/17</a:t>
+              <a:t>5/18/17</a:t>
             </a:fld>
             <a:endParaRPr lang="en-US"/>
           </a:p>
@@ -1102,7 +1103,7 @@
           <a:p>
             <a:fld id="{6BEE9317-30CC-7C49-B555-F232CBED8BD6}" type="datetimeFigureOut">
               <a:rPr lang="en-US" smtClean="0"/>
-              <a:t>5/15/17</a:t>
+              <a:t>5/18/17</a:t>
             </a:fld>
             <a:endParaRPr lang="en-US"/>
           </a:p>
@@ -1341,7 +1342,7 @@
           <a:p>
             <a:fld id="{6BEE9317-30CC-7C49-B555-F232CBED8BD6}" type="datetimeFigureOut">
               <a:rPr lang="en-US" smtClean="0"/>
-              <a:t>5/15/17</a:t>
+              <a:t>5/18/17</a:t>
             </a:fld>
             <a:endParaRPr lang="en-US"/>
           </a:p>
@@ -1568,7 +1569,7 @@
           <a:p>
             <a:fld id="{6BEE9317-30CC-7C49-B555-F232CBED8BD6}" type="datetimeFigureOut">
               <a:rPr lang="en-US" smtClean="0"/>
-              <a:t>5/15/17</a:t>
+              <a:t>5/18/17</a:t>
             </a:fld>
             <a:endParaRPr lang="en-US"/>
           </a:p>
@@ -1930,7 +1931,7 @@
           <a:p>
             <a:fld id="{6BEE9317-30CC-7C49-B555-F232CBED8BD6}" type="datetimeFigureOut">
               <a:rPr lang="en-US" smtClean="0"/>
-              <a:t>5/15/17</a:t>
+              <a:t>5/18/17</a:t>
             </a:fld>
             <a:endParaRPr lang="en-US"/>
           </a:p>
@@ -2043,7 +2044,7 @@
           <a:p>
             <a:fld id="{6BEE9317-30CC-7C49-B555-F232CBED8BD6}" type="datetimeFigureOut">
               <a:rPr lang="en-US" smtClean="0"/>
-              <a:t>5/15/17</a:t>
+              <a:t>5/18/17</a:t>
             </a:fld>
             <a:endParaRPr lang="en-US"/>
           </a:p>
@@ -2133,7 +2134,7 @@
           <a:p>
             <a:fld id="{6BEE9317-30CC-7C49-B555-F232CBED8BD6}" type="datetimeFigureOut">
               <a:rPr lang="en-US" smtClean="0"/>
-              <a:t>5/15/17</a:t>
+              <a:t>5/18/17</a:t>
             </a:fld>
             <a:endParaRPr lang="en-US"/>
           </a:p>
@@ -2405,7 +2406,7 @@
           <a:p>
             <a:fld id="{6BEE9317-30CC-7C49-B555-F232CBED8BD6}" type="datetimeFigureOut">
               <a:rPr lang="en-US" smtClean="0"/>
-              <a:t>5/15/17</a:t>
+              <a:t>5/18/17</a:t>
             </a:fld>
             <a:endParaRPr lang="en-US"/>
           </a:p>
@@ -2657,7 +2658,7 @@
           <a:p>
             <a:fld id="{6BEE9317-30CC-7C49-B555-F232CBED8BD6}" type="datetimeFigureOut">
               <a:rPr lang="en-US" smtClean="0"/>
-              <a:t>5/15/17</a:t>
+              <a:t>5/18/17</a:t>
             </a:fld>
             <a:endParaRPr lang="en-US"/>
           </a:p>
@@ -2865,7 +2866,7 @@
           <a:p>
             <a:fld id="{6BEE9317-30CC-7C49-B555-F232CBED8BD6}" type="datetimeFigureOut">
               <a:rPr lang="en-US" smtClean="0"/>
-              <a:t>5/15/17</a:t>
+              <a:t>5/18/17</a:t>
             </a:fld>
             <a:endParaRPr lang="en-US"/>
           </a:p>
@@ -3272,7 +3273,7 @@
       </p:grpSpPr>
       <p:pic>
         <p:nvPicPr>
-          <p:cNvPr id="7" name="Picture 6"/>
+          <p:cNvPr id="2" name="Picture 1"/>
           <p:cNvPicPr>
             <a:picLocks noChangeAspect="1"/>
           </p:cNvPicPr>
@@ -3292,8 +3293,8 @@
         </p:blipFill>
         <p:spPr>
           <a:xfrm>
-            <a:off x="-160903" y="65578"/>
-            <a:ext cx="8193734" cy="6145300"/>
+            <a:off x="0" y="66110"/>
+            <a:ext cx="8193024" cy="6144768"/>
           </a:xfrm>
           <a:prstGeom prst="rect">
             <a:avLst/>
@@ -3490,6 +3491,405 @@
         </p:nvSpPr>
         <p:spPr>
           <a:xfrm>
+            <a:off x="912883" y="2791443"/>
+            <a:ext cx="2976842" cy="430887"/>
+          </a:xfrm>
+          <a:prstGeom prst="rect">
+            <a:avLst/>
+          </a:prstGeom>
+          <a:noFill/>
+        </p:spPr>
+        <p:txBody>
+          <a:bodyPr wrap="square" rtlCol="0">
+            <a:spAutoFit/>
+          </a:bodyPr>
+          <a:lstStyle/>
+          <a:p>
+            <a:pPr algn="ctr"/>
+            <a:r>
+              <a:rPr lang="en-US" sz="2200" dirty="0">
+                <a:latin typeface="Palatino" charset="0"/>
+                <a:ea typeface="Palatino" charset="0"/>
+                <a:cs typeface="Palatino" charset="0"/>
+              </a:rPr>
+              <a:t>(a</a:t>
+            </a:r>
+            <a:r>
+              <a:rPr lang="en-US" sz="2200" dirty="0" smtClean="0">
+                <a:latin typeface="Palatino" charset="0"/>
+                <a:ea typeface="Palatino" charset="0"/>
+                <a:cs typeface="Palatino" charset="0"/>
+              </a:rPr>
+              <a:t>) </a:t>
+            </a:r>
+            <a:r>
+              <a:rPr lang="en-US" sz="2200" dirty="0" smtClean="0">
+                <a:latin typeface="Palatino" charset="0"/>
+                <a:ea typeface="Palatino" charset="0"/>
+                <a:cs typeface="Palatino" charset="0"/>
+              </a:rPr>
+              <a:t>Passive Inference</a:t>
+            </a:r>
+            <a:endParaRPr lang="en-US" sz="2200" dirty="0">
+              <a:latin typeface="Palatino" charset="0"/>
+              <a:ea typeface="Palatino" charset="0"/>
+              <a:cs typeface="Palatino" charset="0"/>
+            </a:endParaRPr>
+          </a:p>
+        </p:txBody>
+      </p:sp>
+      <p:sp>
+        <p:nvSpPr>
+          <p:cNvPr id="23" name="TextBox 22"/>
+          <p:cNvSpPr txBox="1"/>
+          <p:nvPr/>
+        </p:nvSpPr>
+        <p:spPr>
+          <a:xfrm>
+            <a:off x="4802608" y="2790471"/>
+            <a:ext cx="2940856" cy="430887"/>
+          </a:xfrm>
+          <a:prstGeom prst="rect">
+            <a:avLst/>
+          </a:prstGeom>
+          <a:noFill/>
+        </p:spPr>
+        <p:txBody>
+          <a:bodyPr wrap="square" rtlCol="0">
+            <a:spAutoFit/>
+          </a:bodyPr>
+          <a:lstStyle/>
+          <a:p>
+            <a:pPr algn="ctr"/>
+            <a:r>
+              <a:rPr lang="en-US" sz="2200" dirty="0">
+                <a:latin typeface="Palatino" charset="0"/>
+                <a:ea typeface="Palatino" charset="0"/>
+                <a:cs typeface="Palatino" charset="0"/>
+              </a:rPr>
+              <a:t>(b</a:t>
+            </a:r>
+            <a:r>
+              <a:rPr lang="en-US" sz="2200" dirty="0" smtClean="0">
+                <a:latin typeface="Palatino" charset="0"/>
+                <a:ea typeface="Palatino" charset="0"/>
+                <a:cs typeface="Palatino" charset="0"/>
+              </a:rPr>
+              <a:t>) </a:t>
+            </a:r>
+            <a:r>
+              <a:rPr lang="en-US" sz="2200" dirty="0" smtClean="0">
+                <a:latin typeface="Palatino" charset="0"/>
+                <a:ea typeface="Palatino" charset="0"/>
+                <a:cs typeface="Palatino" charset="0"/>
+              </a:rPr>
+              <a:t>Active Inference</a:t>
+            </a:r>
+            <a:endParaRPr lang="en-US" sz="2200" dirty="0">
+              <a:latin typeface="Palatino" charset="0"/>
+              <a:ea typeface="Palatino" charset="0"/>
+              <a:cs typeface="Palatino" charset="0"/>
+            </a:endParaRPr>
+          </a:p>
+        </p:txBody>
+      </p:sp>
+      <p:sp>
+        <p:nvSpPr>
+          <p:cNvPr id="10" name="TextBox 9"/>
+          <p:cNvSpPr txBox="1"/>
+          <p:nvPr/>
+        </p:nvSpPr>
+        <p:spPr>
+          <a:xfrm>
+            <a:off x="2548065" y="5914942"/>
+            <a:ext cx="3096894" cy="430887"/>
+          </a:xfrm>
+          <a:prstGeom prst="rect">
+            <a:avLst/>
+          </a:prstGeom>
+          <a:noFill/>
+        </p:spPr>
+        <p:txBody>
+          <a:bodyPr wrap="square" rtlCol="0">
+            <a:spAutoFit/>
+          </a:bodyPr>
+          <a:lstStyle/>
+          <a:p>
+            <a:pPr algn="ctr"/>
+            <a:r>
+              <a:rPr lang="en-US" sz="2200" dirty="0">
+                <a:latin typeface="Palatino" charset="0"/>
+                <a:ea typeface="Palatino" charset="0"/>
+                <a:cs typeface="Palatino" charset="0"/>
+              </a:rPr>
+              <a:t>(c</a:t>
+            </a:r>
+            <a:r>
+              <a:rPr lang="en-US" sz="2200" dirty="0" smtClean="0">
+                <a:latin typeface="Palatino" charset="0"/>
+                <a:ea typeface="Palatino" charset="0"/>
+                <a:cs typeface="Palatino" charset="0"/>
+              </a:rPr>
+              <a:t>) Beliefs in true goal</a:t>
+            </a:r>
+            <a:endParaRPr lang="en-US" sz="2200" dirty="0">
+              <a:latin typeface="Palatino" charset="0"/>
+              <a:ea typeface="Palatino" charset="0"/>
+              <a:cs typeface="Palatino" charset="0"/>
+            </a:endParaRPr>
+          </a:p>
+        </p:txBody>
+      </p:sp>
+    </p:spTree>
+    <p:extLst>
+      <p:ext uri="{BB962C8B-B14F-4D97-AF65-F5344CB8AC3E}">
+        <p14:creationId xmlns:p14="http://schemas.microsoft.com/office/powerpoint/2010/main" val="723088738"/>
+      </p:ext>
+    </p:extLst>
+  </p:cSld>
+  <p:clrMapOvr>
+    <a:masterClrMapping/>
+  </p:clrMapOvr>
+</p:sld>
+</file>
+
+<file path=ppt/slides/slide2.xml><?xml version="1.0" encoding="utf-8"?>
+<p:sld xmlns:a="http://schemas.openxmlformats.org/drawingml/2006/main" xmlns:r="http://schemas.openxmlformats.org/officeDocument/2006/relationships" xmlns:p="http://schemas.openxmlformats.org/presentationml/2006/main">
+  <p:cSld>
+    <p:spTree>
+      <p:nvGrpSpPr>
+        <p:cNvPr id="1" name=""/>
+        <p:cNvGrpSpPr/>
+        <p:nvPr/>
+      </p:nvGrpSpPr>
+      <p:grpSpPr>
+        <a:xfrm>
+          <a:off x="0" y="0"/>
+          <a:ext cx="0" cy="0"/>
+          <a:chOff x="0" y="0"/>
+          <a:chExt cx="0" cy="0"/>
+        </a:xfrm>
+      </p:grpSpPr>
+      <p:pic>
+        <p:nvPicPr>
+          <p:cNvPr id="2" name="Picture 1"/>
+          <p:cNvPicPr>
+            <a:picLocks noChangeAspect="1"/>
+          </p:cNvPicPr>
+          <p:nvPr/>
+        </p:nvPicPr>
+        <p:blipFill>
+          <a:blip r:embed="rId2">
+            <a:extLst>
+              <a:ext uri="{28A0092B-C50C-407E-A947-70E740481C1C}">
+                <a14:useLocalDpi xmlns:a14="http://schemas.microsoft.com/office/drawing/2010/main" val="0"/>
+              </a:ext>
+            </a:extLst>
+          </a:blip>
+          <a:stretch>
+            <a:fillRect/>
+          </a:stretch>
+        </p:blipFill>
+        <p:spPr>
+          <a:xfrm>
+            <a:off x="0" y="66110"/>
+            <a:ext cx="8193024" cy="6144768"/>
+          </a:xfrm>
+          <a:prstGeom prst="rect">
+            <a:avLst/>
+          </a:prstGeom>
+        </p:spPr>
+      </p:pic>
+      <mc:AlternateContent xmlns:mc="http://schemas.openxmlformats.org/markup-compatibility/2006" xmlns:a14="http://schemas.microsoft.com/office/drawing/2010/main">
+        <mc:Choice Requires="a14">
+          <p:sp>
+            <p:nvSpPr>
+              <p:cNvPr id="5" name="TextBox 4"/>
+              <p:cNvSpPr txBox="1"/>
+              <p:nvPr/>
+            </p:nvSpPr>
+            <p:spPr>
+              <a:xfrm>
+                <a:off x="22725465" y="10328128"/>
+                <a:ext cx="3174101" cy="1181542"/>
+              </a:xfrm>
+              <a:prstGeom prst="rect">
+                <a:avLst/>
+              </a:prstGeom>
+              <a:noFill/>
+            </p:spPr>
+            <p:txBody>
+              <a:bodyPr wrap="square" rtlCol="0">
+                <a:spAutoFit/>
+              </a:bodyPr>
+              <a:lstStyle/>
+              <a:p>
+                <a:r>
+                  <a:rPr lang="en-US" sz="3500" i="1" dirty="0">
+                    <a:latin typeface="Palatino" charset="0"/>
+                    <a:ea typeface="Palatino" charset="0"/>
+                    <a:cs typeface="Palatino" charset="0"/>
+                  </a:rPr>
+                  <a:t>Maintain</a:t>
+                </a:r>
+                <a:r>
+                  <a:rPr lang="en-US" sz="3500" b="1" i="1" dirty="0">
+                    <a:latin typeface="Palatino" charset="0"/>
+                    <a:ea typeface="Palatino" charset="0"/>
+                    <a:cs typeface="Palatino" charset="0"/>
+                  </a:rPr>
+                  <a:t> </a:t>
+                </a:r>
+                <a:r>
+                  <a:rPr lang="en-US" sz="3500" dirty="0">
+                    <a:latin typeface="Palatino" charset="0"/>
+                    <a:ea typeface="Palatino" charset="0"/>
+                    <a:cs typeface="Palatino" charset="0"/>
+                  </a:rPr>
+                  <a:t>belief </a:t>
+                </a:r>
+              </a:p>
+              <a:p>
+                <a:pPr/>
+                <a14:m>
+                  <m:oMathPara xmlns:m="http://schemas.openxmlformats.org/officeDocument/2006/math">
+                    <m:oMathParaPr>
+                      <m:jc m:val="centerGroup"/>
+                    </m:oMathParaPr>
+                    <m:oMath xmlns:m="http://schemas.openxmlformats.org/officeDocument/2006/math">
+                      <m:r>
+                        <a:rPr lang="en-US" sz="3500" i="1">
+                          <a:latin typeface="Cambria Math" charset="0"/>
+                          <a:ea typeface="Palatino" charset="0"/>
+                          <a:cs typeface="Palatino" charset="0"/>
+                        </a:rPr>
+                        <m:t>𝑏</m:t>
+                      </m:r>
+                      <m:r>
+                        <a:rPr lang="en-US" sz="3500" i="1">
+                          <a:latin typeface="Cambria Math" charset="0"/>
+                          <a:ea typeface="Palatino" charset="0"/>
+                          <a:cs typeface="Palatino" charset="0"/>
+                        </a:rPr>
+                        <m:t>(</m:t>
+                      </m:r>
+                      <m:sSub>
+                        <m:sSubPr>
+                          <m:ctrlPr>
+                            <a:rPr lang="en-US" sz="3500" i="1">
+                              <a:latin typeface="Cambria Math" charset="0"/>
+                              <a:ea typeface="Palatino" charset="0"/>
+                              <a:cs typeface="Palatino" charset="0"/>
+                            </a:rPr>
+                          </m:ctrlPr>
+                        </m:sSubPr>
+                        <m:e>
+                          <m:r>
+                            <a:rPr lang="en-US" sz="3500" i="1">
+                              <a:latin typeface="Cambria Math" charset="0"/>
+                              <a:ea typeface="Palatino" charset="0"/>
+                              <a:cs typeface="Palatino" charset="0"/>
+                            </a:rPr>
+                            <m:t>𝜃</m:t>
+                          </m:r>
+                        </m:e>
+                        <m:sub>
+                          <m:r>
+                            <a:rPr lang="en-US" sz="3500" i="1">
+                              <a:latin typeface="Cambria Math" charset="0"/>
+                              <a:ea typeface="Palatino" charset="0"/>
+                              <a:cs typeface="Palatino" charset="0"/>
+                            </a:rPr>
+                            <m:t>𝐻</m:t>
+                          </m:r>
+                        </m:sub>
+                      </m:sSub>
+                      <m:r>
+                        <a:rPr lang="en-US" sz="3500" i="1">
+                          <a:latin typeface="Cambria Math" charset="0"/>
+                          <a:ea typeface="Palatino" charset="0"/>
+                          <a:cs typeface="Palatino" charset="0"/>
+                        </a:rPr>
+                        <m:t>=</m:t>
+                      </m:r>
+                      <m:r>
+                        <m:rPr>
+                          <m:nor/>
+                        </m:rPr>
+                        <a:rPr lang="en-US" sz="3500">
+                          <a:latin typeface="Palatino" charset="0"/>
+                          <a:ea typeface="Palatino" charset="0"/>
+                          <a:cs typeface="Palatino" charset="0"/>
+                        </a:rPr>
+                        <m:t>merge</m:t>
+                      </m:r>
+                      <m:r>
+                        <a:rPr lang="en-US" sz="3500" i="1">
+                          <a:latin typeface="Cambria Math" charset="0"/>
+                          <a:ea typeface="Palatino" charset="0"/>
+                          <a:cs typeface="Palatino" charset="0"/>
+                        </a:rPr>
+                        <m:t>)</m:t>
+                      </m:r>
+                    </m:oMath>
+                  </m:oMathPara>
+                </a14:m>
+                <a:endParaRPr lang="en-US" sz="3500" dirty="0">
+                  <a:latin typeface="Palatino" charset="0"/>
+                  <a:ea typeface="Palatino" charset="0"/>
+                  <a:cs typeface="Palatino" charset="0"/>
+                </a:endParaRPr>
+              </a:p>
+            </p:txBody>
+          </p:sp>
+        </mc:Choice>
+        <mc:Fallback xmlns="">
+          <p:sp>
+            <p:nvSpPr>
+              <p:cNvPr id="5" name="TextBox 4"/>
+              <p:cNvSpPr txBox="1">
+                <a:spLocks noRot="1" noChangeAspect="1" noMove="1" noResize="1" noEditPoints="1" noAdjustHandles="1" noChangeArrowheads="1" noChangeShapeType="1" noTextEdit="1"/>
+              </p:cNvSpPr>
+              <p:nvPr/>
+            </p:nvSpPr>
+            <p:spPr>
+              <a:xfrm>
+                <a:off x="19826292" y="6799462"/>
+                <a:ext cx="2539281" cy="963597"/>
+              </a:xfrm>
+              <a:prstGeom prst="rect">
+                <a:avLst/>
+              </a:prstGeom>
+              <a:blipFill rotWithShape="0">
+                <a:blip r:embed="rId3"/>
+                <a:stretch>
+                  <a:fillRect l="-4796" t="-6962" r="-3118"/>
+                </a:stretch>
+              </a:blipFill>
+            </p:spPr>
+            <p:txBody>
+              <a:bodyPr/>
+              <a:lstStyle/>
+              <a:p>
+                <a:r>
+                  <a:rPr lang="en-US">
+                    <a:noFill/>
+                  </a:rPr>
+                  <a:t> </a:t>
+                </a:r>
+              </a:p>
+            </p:txBody>
+          </p:sp>
+        </mc:Fallback>
+      </mc:AlternateContent>
+      <p:sp>
+        <p:nvSpPr>
+          <p:cNvPr id="22" name="TextBox 21"/>
+          <p:cNvSpPr txBox="1"/>
+          <p:nvPr/>
+        </p:nvSpPr>
+        <p:spPr>
+          <a:xfrm>
             <a:off x="2150743" y="2738118"/>
             <a:ext cx="622139" cy="400110"/>
           </a:xfrm>
@@ -3511,7 +3911,15 @@
                 <a:ea typeface="Palatino" charset="0"/>
                 <a:cs typeface="Palatino" charset="0"/>
               </a:rPr>
-              <a:t>(a)</a:t>
+              <a:t>(a</a:t>
+            </a:r>
+            <a:r>
+              <a:rPr lang="en-US" sz="2000" dirty="0" smtClean="0">
+                <a:latin typeface="Palatino" charset="0"/>
+                <a:ea typeface="Palatino" charset="0"/>
+                <a:cs typeface="Palatino" charset="0"/>
+              </a:rPr>
+              <a:t>)</a:t>
             </a:r>
             <a:endParaRPr lang="en-US" sz="2000" dirty="0">
               <a:latin typeface="Palatino" charset="0"/>
@@ -3550,7 +3958,15 @@
                 <a:ea typeface="Palatino" charset="0"/>
                 <a:cs typeface="Palatino" charset="0"/>
               </a:rPr>
-              <a:t>(b)</a:t>
+              <a:t>(b</a:t>
+            </a:r>
+            <a:r>
+              <a:rPr lang="en-US" sz="2000" dirty="0" smtClean="0">
+                <a:latin typeface="Palatino" charset="0"/>
+                <a:ea typeface="Palatino" charset="0"/>
+                <a:cs typeface="Palatino" charset="0"/>
+              </a:rPr>
+              <a:t>)</a:t>
             </a:r>
             <a:endParaRPr lang="en-US" sz="2000" dirty="0">
               <a:latin typeface="Palatino" charset="0"/>
@@ -3568,7 +3984,7 @@
         </p:nvSpPr>
         <p:spPr>
           <a:xfrm>
-            <a:off x="3624894" y="5972814"/>
+            <a:off x="3785442" y="5914941"/>
             <a:ext cx="622139" cy="400110"/>
           </a:xfrm>
           <a:prstGeom prst="rect">
@@ -3591,11 +4007,6 @@
               </a:rPr>
               <a:t>(c)</a:t>
             </a:r>
-            <a:endParaRPr lang="en-US" sz="2000" dirty="0">
-              <a:latin typeface="Palatino" charset="0"/>
-              <a:ea typeface="Palatino" charset="0"/>
-              <a:cs typeface="Palatino" charset="0"/>
-            </a:endParaRPr>
           </a:p>
         </p:txBody>
       </p:sp>
@@ -3612,7 +4023,7 @@
 </p:sld>
 </file>
 
-<file path=ppt/slides/slide2.xml><?xml version="1.0" encoding="utf-8"?>
+<file path=ppt/slides/slide3.xml><?xml version="1.0" encoding="utf-8"?>
 <p:sld xmlns:a="http://schemas.openxmlformats.org/drawingml/2006/main" xmlns:r="http://schemas.openxmlformats.org/officeDocument/2006/relationships" xmlns:p="http://schemas.openxmlformats.org/presentationml/2006/main">
   <p:cSld>
     <p:spTree>
@@ -3842,11 +4253,6 @@
               </a:rPr>
               <a:t>(a)</a:t>
             </a:r>
-            <a:endParaRPr lang="en-US" sz="2000" dirty="0">
-              <a:latin typeface="Palatino" charset="0"/>
-              <a:ea typeface="Palatino" charset="0"/>
-              <a:cs typeface="Palatino" charset="0"/>
-            </a:endParaRPr>
           </a:p>
         </p:txBody>
       </p:sp>
@@ -3881,11 +4287,6 @@
               </a:rPr>
               <a:t>(b)</a:t>
             </a:r>
-            <a:endParaRPr lang="en-US" sz="2000" dirty="0">
-              <a:latin typeface="Palatino" charset="0"/>
-              <a:ea typeface="Palatino" charset="0"/>
-              <a:cs typeface="Palatino" charset="0"/>
-            </a:endParaRPr>
           </a:p>
         </p:txBody>
       </p:sp>
@@ -4010,11 +4411,6 @@
               </a:rPr>
               <a:t>(c)</a:t>
             </a:r>
-            <a:endParaRPr lang="en-US" sz="2000" dirty="0">
-              <a:latin typeface="Palatino" charset="0"/>
-              <a:ea typeface="Palatino" charset="0"/>
-              <a:cs typeface="Palatino" charset="0"/>
-            </a:endParaRPr>
           </a:p>
         </p:txBody>
       </p:sp>
